--- a/presentation.pptx
+++ b/presentation.pptx
@@ -3335,10 +3335,10 @@
       </p:grpSpPr>
       <p:pic>
         <p:nvPicPr>
-          <p:cNvPr id="3" name="Picture 2">
-            <a:extLst>
-              <a:ext uri="{FF2B5EF4-FFF2-40B4-BE49-F238E27FC236}">
-                <a16:creationId xmlns:a16="http://schemas.microsoft.com/office/drawing/2014/main" id="{12889774-1734-B8D3-A236-E7CD31A86080}"/>
+          <p:cNvPr id="7" name="Picture 6" descr="Graphical user interface&#10;&#10;Description automatically generated">
+            <a:extLst>
+              <a:ext uri="{FF2B5EF4-FFF2-40B4-BE49-F238E27FC236}">
+                <a16:creationId xmlns:a16="http://schemas.microsoft.com/office/drawing/2014/main" id="{423FC99C-2CD7-DAC3-7984-49C9AC84CA71}"/>
               </a:ext>
             </a:extLst>
           </p:cNvPr>
@@ -3379,13 +3379,13 @@
   <p:clrMapOvr>
     <a:masterClrMapping/>
   </p:clrMapOvr>
-  <mc:AlternateContent xmlns:mc="http://schemas.openxmlformats.org/markup-compatibility/2006">
-    <mc:Choice xmlns:p14="http://schemas.microsoft.com/office/powerpoint/2010/main" Requires="p14">
+  <mc:AlternateContent xmlns:mc="http://schemas.openxmlformats.org/markup-compatibility/2006" xmlns:p14="http://schemas.microsoft.com/office/powerpoint/2010/main">
+    <mc:Choice Requires="p14">
       <p:transition spd="med" p14:dur="700">
         <p:fade/>
       </p:transition>
     </mc:Choice>
-    <mc:Fallback>
+    <mc:Fallback xmlns="">
       <p:transition spd="med">
         <p:fade/>
       </p:transition>
@@ -3457,13 +3457,13 @@
   <p:clrMapOvr>
     <a:masterClrMapping/>
   </p:clrMapOvr>
-  <mc:AlternateContent xmlns:mc="http://schemas.openxmlformats.org/markup-compatibility/2006">
-    <mc:Choice xmlns:p14="http://schemas.microsoft.com/office/powerpoint/2010/main" Requires="p14">
+  <mc:AlternateContent xmlns:mc="http://schemas.openxmlformats.org/markup-compatibility/2006" xmlns:p14="http://schemas.microsoft.com/office/powerpoint/2010/main">
+    <mc:Choice Requires="p14">
       <p:transition spd="slow" p14:dur="1250">
         <p14:flip dir="r"/>
       </p:transition>
     </mc:Choice>
-    <mc:Fallback>
+    <mc:Fallback xmlns="">
       <p:transition spd="slow">
         <p:fade/>
       </p:transition>
@@ -3535,13 +3535,13 @@
   <p:clrMapOvr>
     <a:masterClrMapping/>
   </p:clrMapOvr>
-  <mc:AlternateContent xmlns:mc="http://schemas.openxmlformats.org/markup-compatibility/2006">
-    <mc:Choice xmlns:p14="http://schemas.microsoft.com/office/powerpoint/2010/main" Requires="p14">
+  <mc:AlternateContent xmlns:mc="http://schemas.openxmlformats.org/markup-compatibility/2006" xmlns:p14="http://schemas.microsoft.com/office/powerpoint/2010/main">
+    <mc:Choice Requires="p14">
       <p:transition spd="slow" p14:dur="1250">
         <p14:flip dir="l"/>
       </p:transition>
     </mc:Choice>
-    <mc:Fallback>
+    <mc:Fallback xmlns="">
       <p:transition spd="slow">
         <p:fade/>
       </p:transition>
@@ -3613,13 +3613,13 @@
   <p:clrMapOvr>
     <a:masterClrMapping/>
   </p:clrMapOvr>
-  <mc:AlternateContent xmlns:mc="http://schemas.openxmlformats.org/markup-compatibility/2006">
-    <mc:Choice xmlns:p14="http://schemas.microsoft.com/office/powerpoint/2010/main" Requires="p14">
+  <mc:AlternateContent xmlns:mc="http://schemas.openxmlformats.org/markup-compatibility/2006" xmlns:p14="http://schemas.microsoft.com/office/powerpoint/2010/main">
+    <mc:Choice Requires="p14">
       <p:transition spd="slow" p14:dur="1250">
         <p14:switch dir="r"/>
       </p:transition>
     </mc:Choice>
-    <mc:Fallback>
+    <mc:Fallback xmlns="">
       <p:transition spd="slow">
         <p:fade/>
       </p:transition>
@@ -3691,13 +3691,13 @@
   <p:clrMapOvr>
     <a:masterClrMapping/>
   </p:clrMapOvr>
-  <mc:AlternateContent xmlns:mc="http://schemas.openxmlformats.org/markup-compatibility/2006">
-    <mc:Choice xmlns:p14="http://schemas.microsoft.com/office/powerpoint/2010/main" Requires="p14">
+  <mc:AlternateContent xmlns:mc="http://schemas.openxmlformats.org/markup-compatibility/2006" xmlns:p14="http://schemas.microsoft.com/office/powerpoint/2010/main">
+    <mc:Choice Requires="p14">
       <p:transition spd="slow" p14:dur="1600">
         <p14:gallery dir="l"/>
       </p:transition>
     </mc:Choice>
-    <mc:Fallback>
+    <mc:Fallback xmlns="">
       <p:transition spd="slow">
         <p:fade/>
       </p:transition>
@@ -3769,13 +3769,13 @@
   <p:clrMapOvr>
     <a:masterClrMapping/>
   </p:clrMapOvr>
-  <mc:AlternateContent xmlns:mc="http://schemas.openxmlformats.org/markup-compatibility/2006">
-    <mc:Choice xmlns:p14="http://schemas.microsoft.com/office/powerpoint/2010/main" Requires="p14">
+  <mc:AlternateContent xmlns:mc="http://schemas.openxmlformats.org/markup-compatibility/2006" xmlns:p14="http://schemas.microsoft.com/office/powerpoint/2010/main">
+    <mc:Choice Requires="p14">
       <p:transition spd="slow" p14:dur="1200">
         <p14:prism/>
       </p:transition>
     </mc:Choice>
-    <mc:Fallback>
+    <mc:Fallback xmlns="">
       <p:transition spd="slow">
         <p:fade/>
       </p:transition>
@@ -3847,13 +3847,13 @@
   <p:clrMapOvr>
     <a:masterClrMapping/>
   </p:clrMapOvr>
-  <mc:AlternateContent xmlns:mc="http://schemas.openxmlformats.org/markup-compatibility/2006">
-    <mc:Choice xmlns:p15="http://schemas.microsoft.com/office/powerpoint/2012/main" Requires="p15">
+  <mc:AlternateContent xmlns:mc="http://schemas.openxmlformats.org/markup-compatibility/2006" xmlns:p15="http://schemas.microsoft.com/office/powerpoint/2012/main">
+    <mc:Choice Requires="p15">
       <p:transition xmlns:p14="http://schemas.microsoft.com/office/powerpoint/2010/main" spd="slow" p14:dur="2000">
         <p15:prstTrans prst="drape"/>
       </p:transition>
     </mc:Choice>
-    <mc:Fallback>
+    <mc:Fallback xmlns="">
       <p:transition spd="slow">
         <p:fade/>
       </p:transition>
@@ -4105,13 +4105,13 @@
   <p:clrMapOvr>
     <a:masterClrMapping/>
   </p:clrMapOvr>
-  <mc:AlternateContent xmlns:mc="http://schemas.openxmlformats.org/markup-compatibility/2006">
-    <mc:Choice xmlns:p15="http://schemas.microsoft.com/office/powerpoint/2012/main" Requires="p15">
+  <mc:AlternateContent xmlns:mc="http://schemas.openxmlformats.org/markup-compatibility/2006" xmlns:p15="http://schemas.microsoft.com/office/powerpoint/2012/main">
+    <mc:Choice Requires="p15">
       <p:transition xmlns:p14="http://schemas.microsoft.com/office/powerpoint/2010/main" spd="slow" p14:dur="6000">
         <p15:prstTrans prst="curtains"/>
       </p:transition>
     </mc:Choice>
-    <mc:Fallback>
+    <mc:Fallback xmlns="">
       <p:transition spd="slow">
         <p:fade/>
       </p:transition>
